--- a/期末展示.pptx
+++ b/期末展示.pptx
@@ -118,6 +118,11 @@
       </a:defRPr>
     </a:lvl9pPr>
   </p:defaultTextStyle>
+  <p:extLst>
+    <p:ext uri="{EFAFB233-063F-42B5-8137-9DF3F51BA10A}">
+      <p15:sldGuideLst xmlns:p15="http://schemas.microsoft.com/office/powerpoint/2012/main"/>
+    </p:ext>
+  </p:extLst>
 </p:presentation>
 </file>
 
@@ -203,7 +208,7 @@
           <a:p>
             <a:fld id="{FF65A798-8AB6-40D0-8D35-156ACD7DFB2D}" type="datetimeFigureOut">
               <a:rPr lang="zh-CN" altLang="en-US" smtClean="0"/>
-              <a:t>2018/1/1</a:t>
+              <a:t>2018/1/2</a:t>
             </a:fld>
             <a:endParaRPr lang="zh-CN" altLang="en-US"/>
           </a:p>
@@ -515,42 +520,6 @@
           <a:bodyPr/>
           <a:lstStyle/>
           <a:p>
-            <a:pPr eaLnBrk="1" hangingPunct="1">
-              <a:spcBef>
-                <a:spcPct val="0"/>
-              </a:spcBef>
-            </a:pPr>
-            <a:r>
-              <a:rPr lang="zh-CN" altLang="en-US" dirty="0" smtClean="0"/>
-              <a:t>软件缺陷能引起软件系统故障甚至失效从而导致严重的生命财产损失。</a:t>
-            </a:r>
-            <a:endParaRPr lang="en-US" altLang="zh-CN" dirty="0" smtClean="0"/>
-          </a:p>
-          <a:p>
-            <a:pPr eaLnBrk="1" hangingPunct="1">
-              <a:spcBef>
-                <a:spcPct val="0"/>
-              </a:spcBef>
-            </a:pPr>
-            <a:r>
-              <a:rPr lang="zh-CN" altLang="en-US" dirty="0" smtClean="0"/>
-              <a:t>而且，在软件项目生命周期的各个阶段，即使是针对同一个软件缺陷，修复成本也会大不相同。随着时间的推移，软件缺陷的修复费用是呈指数级增长的。尤其在软件产品发布后，检测缺陷和修复缺陷的代价将会大幅度增加。</a:t>
-            </a:r>
-            <a:endParaRPr lang="en-US" altLang="zh-CN" dirty="0" smtClean="0"/>
-          </a:p>
-          <a:p>
-            <a:pPr eaLnBrk="1" hangingPunct="1">
-              <a:spcBef>
-                <a:spcPct val="0"/>
-              </a:spcBef>
-            </a:pPr>
-            <a:r>
-              <a:rPr lang="zh-CN" altLang="en-US" dirty="0" smtClean="0"/>
-              <a:t>因此，要尽可能早地发现缺陷并修复缺陷。静态分析就是一种有效发现缺陷的方法。</a:t>
-            </a:r>
-            <a:endParaRPr lang="en-US" altLang="zh-CN" dirty="0" smtClean="0"/>
-          </a:p>
-          <a:p>
             <a:endParaRPr lang="zh-CN" altLang="en-US" dirty="0"/>
           </a:p>
         </p:txBody>
@@ -572,7 +541,7 @@
           <a:p>
             <a:fld id="{02F278A9-589A-4E43-8CB7-5F51AFE6AC47}" type="slidenum">
               <a:rPr lang="zh-CN" altLang="en-US" smtClean="0"/>
-              <a:t>2</a:t>
+              <a:t>1</a:t>
             </a:fld>
             <a:endParaRPr lang="zh-CN" altLang="en-US"/>
           </a:p>
@@ -581,7 +550,7 @@
     </p:spTree>
     <p:extLst>
       <p:ext uri="{BB962C8B-B14F-4D97-AF65-F5344CB8AC3E}">
-        <p14:creationId xmlns:p14="http://schemas.microsoft.com/office/powerpoint/2010/main" val="1591243066"/>
+        <p14:creationId xmlns:p14="http://schemas.microsoft.com/office/powerpoint/2010/main" val="1383294062"/>
       </p:ext>
     </p:extLst>
   </p:cSld>
@@ -592,6 +561,126 @@
 </file>
 
 <file path=ppt/notesSlides/notesSlide10.xml><?xml version="1.0" encoding="utf-8"?>
+<p:notes xmlns:a="http://schemas.openxmlformats.org/drawingml/2006/main" xmlns:r="http://schemas.openxmlformats.org/officeDocument/2006/relationships" xmlns:p="http://schemas.openxmlformats.org/presentationml/2006/main">
+  <p:cSld>
+    <p:spTree>
+      <p:nvGrpSpPr>
+        <p:cNvPr id="1" name=""/>
+        <p:cNvGrpSpPr/>
+        <p:nvPr/>
+      </p:nvGrpSpPr>
+      <p:grpSpPr>
+        <a:xfrm>
+          <a:off x="0" y="0"/>
+          <a:ext cx="0" cy="0"/>
+          <a:chOff x="0" y="0"/>
+          <a:chExt cx="0" cy="0"/>
+        </a:xfrm>
+      </p:grpSpPr>
+      <p:sp>
+        <p:nvSpPr>
+          <p:cNvPr id="2" name="幻灯片图像占位符 1"/>
+          <p:cNvSpPr>
+            <a:spLocks noGrp="1" noRot="1" noChangeAspect="1"/>
+          </p:cNvSpPr>
+          <p:nvPr>
+            <p:ph type="sldImg"/>
+          </p:nvPr>
+        </p:nvSpPr>
+        <p:spPr/>
+      </p:sp>
+      <p:sp>
+        <p:nvSpPr>
+          <p:cNvPr id="3" name="备注占位符 2"/>
+          <p:cNvSpPr>
+            <a:spLocks noGrp="1"/>
+          </p:cNvSpPr>
+          <p:nvPr>
+            <p:ph type="body" idx="1"/>
+          </p:nvPr>
+        </p:nvSpPr>
+        <p:spPr/>
+        <p:txBody>
+          <a:bodyPr/>
+          <a:lstStyle/>
+          <a:p>
+            <a:pPr eaLnBrk="1" hangingPunct="1">
+              <a:spcBef>
+                <a:spcPct val="0"/>
+              </a:spcBef>
+            </a:pPr>
+            <a:r>
+              <a:rPr lang="zh-CN" altLang="en-US" dirty="0" smtClean="0"/>
+              <a:t>软件缺陷能引起软件系统故障甚至失效从而导致严重的生命财产损失。</a:t>
+            </a:r>
+            <a:endParaRPr lang="en-US" altLang="zh-CN" dirty="0" smtClean="0"/>
+          </a:p>
+          <a:p>
+            <a:pPr eaLnBrk="1" hangingPunct="1">
+              <a:spcBef>
+                <a:spcPct val="0"/>
+              </a:spcBef>
+            </a:pPr>
+            <a:r>
+              <a:rPr lang="zh-CN" altLang="en-US" dirty="0" smtClean="0"/>
+              <a:t>而且，在软件项目生命周期的各个阶段，即使是针对同一个软件缺陷，修复成本也会大不相同。随着时间的推移，软件缺陷的修复费用是呈指数级增长的。尤其在软件产品发布后，检测缺陷和修复缺陷的代价将会大幅度增加。</a:t>
+            </a:r>
+            <a:endParaRPr lang="en-US" altLang="zh-CN" dirty="0" smtClean="0"/>
+          </a:p>
+          <a:p>
+            <a:pPr eaLnBrk="1" hangingPunct="1">
+              <a:spcBef>
+                <a:spcPct val="0"/>
+              </a:spcBef>
+            </a:pPr>
+            <a:r>
+              <a:rPr lang="zh-CN" altLang="en-US" dirty="0" smtClean="0"/>
+              <a:t>因此，要尽可能早地发现缺陷并修复缺陷。静态分析就是一种有效发现缺陷的方法。</a:t>
+            </a:r>
+            <a:endParaRPr lang="en-US" altLang="zh-CN" dirty="0" smtClean="0"/>
+          </a:p>
+          <a:p>
+            <a:endParaRPr lang="zh-CN" altLang="en-US" dirty="0"/>
+          </a:p>
+        </p:txBody>
+      </p:sp>
+      <p:sp>
+        <p:nvSpPr>
+          <p:cNvPr id="4" name="灯片编号占位符 3"/>
+          <p:cNvSpPr>
+            <a:spLocks noGrp="1"/>
+          </p:cNvSpPr>
+          <p:nvPr>
+            <p:ph type="sldNum" sz="quarter" idx="10"/>
+          </p:nvPr>
+        </p:nvSpPr>
+        <p:spPr/>
+        <p:txBody>
+          <a:bodyPr/>
+          <a:lstStyle/>
+          <a:p>
+            <a:fld id="{02F278A9-589A-4E43-8CB7-5F51AFE6AC47}" type="slidenum">
+              <a:rPr lang="zh-CN" altLang="en-US" smtClean="0"/>
+              <a:t>10</a:t>
+            </a:fld>
+            <a:endParaRPr lang="zh-CN" altLang="en-US"/>
+          </a:p>
+        </p:txBody>
+      </p:sp>
+    </p:spTree>
+    <p:extLst>
+      <p:ext uri="{BB962C8B-B14F-4D97-AF65-F5344CB8AC3E}">
+        <p14:creationId xmlns:p14="http://schemas.microsoft.com/office/powerpoint/2010/main" val="2861518606"/>
+      </p:ext>
+    </p:extLst>
+  </p:cSld>
+  <p:clrMapOvr>
+    <a:masterClrMapping/>
+  </p:clrMapOvr>
+</p:notes>
+</file>
+
+<file path=ppt/notesSlides/notesSlide11.xml><?xml version="1.0" encoding="utf-8"?>
 <p:notes xmlns:a="http://schemas.openxmlformats.org/drawingml/2006/main" xmlns:r="http://schemas.openxmlformats.org/officeDocument/2006/relationships" xmlns:p="http://schemas.openxmlformats.org/presentationml/2006/main">
   <p:cSld>
     <p:spTree>
@@ -812,7 +901,7 @@
           <a:p>
             <a:fld id="{02F278A9-589A-4E43-8CB7-5F51AFE6AC47}" type="slidenum">
               <a:rPr lang="zh-CN" altLang="en-US" smtClean="0"/>
-              <a:t>3</a:t>
+              <a:t>2</a:t>
             </a:fld>
             <a:endParaRPr lang="zh-CN" altLang="en-US"/>
           </a:p>
@@ -821,7 +910,7 @@
     </p:spTree>
     <p:extLst>
       <p:ext uri="{BB962C8B-B14F-4D97-AF65-F5344CB8AC3E}">
-        <p14:creationId xmlns:p14="http://schemas.microsoft.com/office/powerpoint/2010/main" val="410527164"/>
+        <p14:creationId xmlns:p14="http://schemas.microsoft.com/office/powerpoint/2010/main" val="1591243066"/>
       </p:ext>
     </p:extLst>
   </p:cSld>
@@ -932,7 +1021,7 @@
           <a:p>
             <a:fld id="{02F278A9-589A-4E43-8CB7-5F51AFE6AC47}" type="slidenum">
               <a:rPr lang="zh-CN" altLang="en-US" smtClean="0"/>
-              <a:t>4</a:t>
+              <a:t>3</a:t>
             </a:fld>
             <a:endParaRPr lang="zh-CN" altLang="en-US"/>
           </a:p>
@@ -941,7 +1030,7 @@
     </p:spTree>
     <p:extLst>
       <p:ext uri="{BB962C8B-B14F-4D97-AF65-F5344CB8AC3E}">
-        <p14:creationId xmlns:p14="http://schemas.microsoft.com/office/powerpoint/2010/main" val="3767523370"/>
+        <p14:creationId xmlns:p14="http://schemas.microsoft.com/office/powerpoint/2010/main" val="410527164"/>
       </p:ext>
     </p:extLst>
   </p:cSld>
@@ -1052,7 +1141,7 @@
           <a:p>
             <a:fld id="{02F278A9-589A-4E43-8CB7-5F51AFE6AC47}" type="slidenum">
               <a:rPr lang="zh-CN" altLang="en-US" smtClean="0"/>
-              <a:t>5</a:t>
+              <a:t>4</a:t>
             </a:fld>
             <a:endParaRPr lang="zh-CN" altLang="en-US"/>
           </a:p>
@@ -1061,7 +1150,7 @@
     </p:spTree>
     <p:extLst>
       <p:ext uri="{BB962C8B-B14F-4D97-AF65-F5344CB8AC3E}">
-        <p14:creationId xmlns:p14="http://schemas.microsoft.com/office/powerpoint/2010/main" val="3495380884"/>
+        <p14:creationId xmlns:p14="http://schemas.microsoft.com/office/powerpoint/2010/main" val="3767523370"/>
       </p:ext>
     </p:extLst>
   </p:cSld>
@@ -1172,7 +1261,7 @@
           <a:p>
             <a:fld id="{02F278A9-589A-4E43-8CB7-5F51AFE6AC47}" type="slidenum">
               <a:rPr lang="zh-CN" altLang="en-US" smtClean="0"/>
-              <a:t>6</a:t>
+              <a:t>5</a:t>
             </a:fld>
             <a:endParaRPr lang="zh-CN" altLang="en-US"/>
           </a:p>
@@ -1181,7 +1270,7 @@
     </p:spTree>
     <p:extLst>
       <p:ext uri="{BB962C8B-B14F-4D97-AF65-F5344CB8AC3E}">
-        <p14:creationId xmlns:p14="http://schemas.microsoft.com/office/powerpoint/2010/main" val="1763520461"/>
+        <p14:creationId xmlns:p14="http://schemas.microsoft.com/office/powerpoint/2010/main" val="3495380884"/>
       </p:ext>
     </p:extLst>
   </p:cSld>
@@ -1292,7 +1381,7 @@
           <a:p>
             <a:fld id="{02F278A9-589A-4E43-8CB7-5F51AFE6AC47}" type="slidenum">
               <a:rPr lang="zh-CN" altLang="en-US" smtClean="0"/>
-              <a:t>7</a:t>
+              <a:t>6</a:t>
             </a:fld>
             <a:endParaRPr lang="zh-CN" altLang="en-US"/>
           </a:p>
@@ -1301,7 +1390,7 @@
     </p:spTree>
     <p:extLst>
       <p:ext uri="{BB962C8B-B14F-4D97-AF65-F5344CB8AC3E}">
-        <p14:creationId xmlns:p14="http://schemas.microsoft.com/office/powerpoint/2010/main" val="1093049632"/>
+        <p14:creationId xmlns:p14="http://schemas.microsoft.com/office/powerpoint/2010/main" val="1763520461"/>
       </p:ext>
     </p:extLst>
   </p:cSld>
@@ -1412,7 +1501,7 @@
           <a:p>
             <a:fld id="{02F278A9-589A-4E43-8CB7-5F51AFE6AC47}" type="slidenum">
               <a:rPr lang="zh-CN" altLang="en-US" smtClean="0"/>
-              <a:t>8</a:t>
+              <a:t>7</a:t>
             </a:fld>
             <a:endParaRPr lang="zh-CN" altLang="en-US"/>
           </a:p>
@@ -1421,7 +1510,7 @@
     </p:spTree>
     <p:extLst>
       <p:ext uri="{BB962C8B-B14F-4D97-AF65-F5344CB8AC3E}">
-        <p14:creationId xmlns:p14="http://schemas.microsoft.com/office/powerpoint/2010/main" val="2163346414"/>
+        <p14:creationId xmlns:p14="http://schemas.microsoft.com/office/powerpoint/2010/main" val="1093049632"/>
       </p:ext>
     </p:extLst>
   </p:cSld>
@@ -1532,7 +1621,7 @@
           <a:p>
             <a:fld id="{02F278A9-589A-4E43-8CB7-5F51AFE6AC47}" type="slidenum">
               <a:rPr lang="zh-CN" altLang="en-US" smtClean="0"/>
-              <a:t>9</a:t>
+              <a:t>8</a:t>
             </a:fld>
             <a:endParaRPr lang="zh-CN" altLang="en-US"/>
           </a:p>
@@ -1541,7 +1630,7 @@
     </p:spTree>
     <p:extLst>
       <p:ext uri="{BB962C8B-B14F-4D97-AF65-F5344CB8AC3E}">
-        <p14:creationId xmlns:p14="http://schemas.microsoft.com/office/powerpoint/2010/main" val="4267350584"/>
+        <p14:creationId xmlns:p14="http://schemas.microsoft.com/office/powerpoint/2010/main" val="2163346414"/>
       </p:ext>
     </p:extLst>
   </p:cSld>
@@ -1652,7 +1741,7 @@
           <a:p>
             <a:fld id="{02F278A9-589A-4E43-8CB7-5F51AFE6AC47}" type="slidenum">
               <a:rPr lang="zh-CN" altLang="en-US" smtClean="0"/>
-              <a:t>10</a:t>
+              <a:t>9</a:t>
             </a:fld>
             <a:endParaRPr lang="zh-CN" altLang="en-US"/>
           </a:p>
@@ -1661,7 +1750,7 @@
     </p:spTree>
     <p:extLst>
       <p:ext uri="{BB962C8B-B14F-4D97-AF65-F5344CB8AC3E}">
-        <p14:creationId xmlns:p14="http://schemas.microsoft.com/office/powerpoint/2010/main" val="2861518606"/>
+        <p14:creationId xmlns:p14="http://schemas.microsoft.com/office/powerpoint/2010/main" val="4267350584"/>
       </p:ext>
     </p:extLst>
   </p:cSld>
@@ -1802,7 +1891,7 @@
           <a:p>
             <a:fld id="{D334D7BF-6029-4A19-9409-A1D7AF1492EA}" type="datetimeFigureOut">
               <a:rPr lang="zh-CN" altLang="en-US" smtClean="0"/>
-              <a:t>2018/1/1</a:t>
+              <a:t>2018/1/2</a:t>
             </a:fld>
             <a:endParaRPr lang="zh-CN" altLang="en-US"/>
           </a:p>
@@ -1972,7 +2061,7 @@
           <a:p>
             <a:fld id="{D334D7BF-6029-4A19-9409-A1D7AF1492EA}" type="datetimeFigureOut">
               <a:rPr lang="zh-CN" altLang="en-US" smtClean="0"/>
-              <a:t>2018/1/1</a:t>
+              <a:t>2018/1/2</a:t>
             </a:fld>
             <a:endParaRPr lang="zh-CN" altLang="en-US"/>
           </a:p>
@@ -2152,7 +2241,7 @@
           <a:p>
             <a:fld id="{D334D7BF-6029-4A19-9409-A1D7AF1492EA}" type="datetimeFigureOut">
               <a:rPr lang="zh-CN" altLang="en-US" smtClean="0"/>
-              <a:t>2018/1/1</a:t>
+              <a:t>2018/1/2</a:t>
             </a:fld>
             <a:endParaRPr lang="zh-CN" altLang="en-US"/>
           </a:p>
@@ -2322,7 +2411,7 @@
           <a:p>
             <a:fld id="{D334D7BF-6029-4A19-9409-A1D7AF1492EA}" type="datetimeFigureOut">
               <a:rPr lang="zh-CN" altLang="en-US" smtClean="0"/>
-              <a:t>2018/1/1</a:t>
+              <a:t>2018/1/2</a:t>
             </a:fld>
             <a:endParaRPr lang="zh-CN" altLang="en-US"/>
           </a:p>
@@ -2568,7 +2657,7 @@
           <a:p>
             <a:fld id="{D334D7BF-6029-4A19-9409-A1D7AF1492EA}" type="datetimeFigureOut">
               <a:rPr lang="zh-CN" altLang="en-US" smtClean="0"/>
-              <a:t>2018/1/1</a:t>
+              <a:t>2018/1/2</a:t>
             </a:fld>
             <a:endParaRPr lang="zh-CN" altLang="en-US"/>
           </a:p>
@@ -2800,7 +2889,7 @@
           <a:p>
             <a:fld id="{D334D7BF-6029-4A19-9409-A1D7AF1492EA}" type="datetimeFigureOut">
               <a:rPr lang="zh-CN" altLang="en-US" smtClean="0"/>
-              <a:t>2018/1/1</a:t>
+              <a:t>2018/1/2</a:t>
             </a:fld>
             <a:endParaRPr lang="zh-CN" altLang="en-US"/>
           </a:p>
@@ -3167,7 +3256,7 @@
           <a:p>
             <a:fld id="{D334D7BF-6029-4A19-9409-A1D7AF1492EA}" type="datetimeFigureOut">
               <a:rPr lang="zh-CN" altLang="en-US" smtClean="0"/>
-              <a:t>2018/1/1</a:t>
+              <a:t>2018/1/2</a:t>
             </a:fld>
             <a:endParaRPr lang="zh-CN" altLang="en-US"/>
           </a:p>
@@ -3285,7 +3374,7 @@
           <a:p>
             <a:fld id="{D334D7BF-6029-4A19-9409-A1D7AF1492EA}" type="datetimeFigureOut">
               <a:rPr lang="zh-CN" altLang="en-US" smtClean="0"/>
-              <a:t>2018/1/1</a:t>
+              <a:t>2018/1/2</a:t>
             </a:fld>
             <a:endParaRPr lang="zh-CN" altLang="en-US"/>
           </a:p>
@@ -3380,7 +3469,7 @@
           <a:p>
             <a:fld id="{D334D7BF-6029-4A19-9409-A1D7AF1492EA}" type="datetimeFigureOut">
               <a:rPr lang="zh-CN" altLang="en-US" smtClean="0"/>
-              <a:t>2018/1/1</a:t>
+              <a:t>2018/1/2</a:t>
             </a:fld>
             <a:endParaRPr lang="zh-CN" altLang="en-US"/>
           </a:p>
@@ -3657,7 +3746,7 @@
           <a:p>
             <a:fld id="{D334D7BF-6029-4A19-9409-A1D7AF1492EA}" type="datetimeFigureOut">
               <a:rPr lang="zh-CN" altLang="en-US" smtClean="0"/>
-              <a:t>2018/1/1</a:t>
+              <a:t>2018/1/2</a:t>
             </a:fld>
             <a:endParaRPr lang="zh-CN" altLang="en-US"/>
           </a:p>
@@ -3910,7 +3999,7 @@
           <a:p>
             <a:fld id="{D334D7BF-6029-4A19-9409-A1D7AF1492EA}" type="datetimeFigureOut">
               <a:rPr lang="zh-CN" altLang="en-US" smtClean="0"/>
-              <a:t>2018/1/1</a:t>
+              <a:t>2018/1/2</a:t>
             </a:fld>
             <a:endParaRPr lang="zh-CN" altLang="en-US"/>
           </a:p>
@@ -4123,7 +4212,7 @@
           <a:p>
             <a:fld id="{D334D7BF-6029-4A19-9409-A1D7AF1492EA}" type="datetimeFigureOut">
               <a:rPr lang="zh-CN" altLang="en-US" smtClean="0"/>
-              <a:t>2018/1/1</a:t>
+              <a:t>2018/1/2</a:t>
             </a:fld>
             <a:endParaRPr lang="zh-CN" altLang="en-US"/>
           </a:p>
@@ -4601,6 +4690,13 @@
   <p:clrMapOvr>
     <a:masterClrMapping/>
   </p:clrMapOvr>
+  <p:timing>
+    <p:tnLst>
+      <p:par>
+        <p:cTn id="1" dur="indefinite" restart="never" nodeType="tmRoot"/>
+      </p:par>
+    </p:tnLst>
+  </p:timing>
 </p:sld>
 </file>
 
@@ -4896,6 +4992,13 @@
   <p:clrMapOvr>
     <a:masterClrMapping/>
   </p:clrMapOvr>
+  <p:timing>
+    <p:tnLst>
+      <p:par>
+        <p:cTn id="1" dur="indefinite" restart="never" nodeType="tmRoot"/>
+      </p:par>
+    </p:tnLst>
+  </p:timing>
 </p:sld>
 </file>
 
@@ -5201,6 +5304,13 @@
   <p:clrMapOvr>
     <a:masterClrMapping/>
   </p:clrMapOvr>
+  <p:timing>
+    <p:tnLst>
+      <p:par>
+        <p:cTn id="1" dur="indefinite" restart="never" nodeType="tmRoot"/>
+      </p:par>
+    </p:tnLst>
+  </p:timing>
 </p:sld>
 </file>
 
@@ -5273,6 +5383,13 @@
   <p:clrMapOvr>
     <a:masterClrMapping/>
   </p:clrMapOvr>
+  <p:timing>
+    <p:tnLst>
+      <p:par>
+        <p:cTn id="1" dur="indefinite" restart="never" nodeType="tmRoot"/>
+      </p:par>
+    </p:tnLst>
+  </p:timing>
 </p:sld>
 </file>
 
@@ -5405,6 +5522,13 @@
   <p:clrMapOvr>
     <a:masterClrMapping/>
   </p:clrMapOvr>
+  <p:timing>
+    <p:tnLst>
+      <p:par>
+        <p:cTn id="1" dur="indefinite" restart="never" nodeType="tmRoot"/>
+      </p:par>
+    </p:tnLst>
+  </p:timing>
 </p:sld>
 </file>
 
@@ -5442,7 +5566,11 @@
           <a:p>
             <a:r>
               <a:rPr lang="zh-CN" altLang="en-US" dirty="0" smtClean="0"/>
-              <a:t>项目来源及功能</a:t>
+              <a:t>项目来源</a:t>
+            </a:r>
+            <a:r>
+              <a:rPr lang="zh-CN" altLang="en-US" dirty="0" smtClean="0"/>
+              <a:t>及数据</a:t>
             </a:r>
             <a:endParaRPr lang="zh-CN" altLang="en-US" dirty="0"/>
           </a:p>
@@ -5538,17 +5666,323 @@
             <a:pPr lvl="1"/>
             <a:r>
               <a:rPr lang="zh-CN" altLang="en-US" dirty="0" smtClean="0"/>
+              <a:t>主</a:t>
+            </a:r>
+            <a:r>
+              <a:rPr lang="zh-CN" altLang="en-US" dirty="0" smtClean="0"/>
+              <a:t>状态（</a:t>
+            </a:r>
+            <a:r>
+              <a:rPr lang="en-US" altLang="zh-CN" dirty="0" smtClean="0"/>
+              <a:t>C</a:t>
+            </a:r>
+            <a:r>
+              <a:rPr lang="zh-CN" altLang="en-US" dirty="0" smtClean="0"/>
+              <a:t>语言代码）</a:t>
+            </a:r>
+            <a:endParaRPr lang="en-US" altLang="zh-CN" dirty="0" smtClean="0"/>
+          </a:p>
+          <a:p>
+            <a:pPr lvl="1"/>
+            <a:r>
+              <a:rPr lang="zh-CN" altLang="en-US" dirty="0"/>
+              <a:t>子</a:t>
+            </a:r>
+            <a:r>
+              <a:rPr lang="zh-CN" altLang="en-US" dirty="0" smtClean="0"/>
+              <a:t>状态（</a:t>
+            </a:r>
+            <a:r>
+              <a:rPr lang="en-US" altLang="zh-CN" dirty="0" smtClean="0"/>
+              <a:t>LLVM</a:t>
+            </a:r>
+            <a:r>
+              <a:rPr lang="zh-CN" altLang="en-US" smtClean="0"/>
+              <a:t>代码）</a:t>
+            </a:r>
+            <a:endParaRPr lang="en-US" altLang="zh-CN" dirty="0" smtClean="0"/>
+          </a:p>
+        </p:txBody>
+      </p:sp>
+      <p:pic>
+        <p:nvPicPr>
+          <p:cNvPr id="4" name="图片 3"/>
+          <p:cNvPicPr>
+            <a:picLocks noChangeAspect="1"/>
+          </p:cNvPicPr>
+          <p:nvPr/>
+        </p:nvPicPr>
+        <p:blipFill>
+          <a:blip r:embed="rId3"/>
+          <a:stretch>
+            <a:fillRect/>
+          </a:stretch>
+        </p:blipFill>
+        <p:spPr>
+          <a:xfrm>
+            <a:off x="6469264" y="1403594"/>
+            <a:ext cx="4960369" cy="4875212"/>
+          </a:xfrm>
+          <a:prstGeom prst="rect">
+            <a:avLst/>
+          </a:prstGeom>
+        </p:spPr>
+      </p:pic>
+      <p:sp>
+        <p:nvSpPr>
+          <p:cNvPr id="5" name="矩形 4"/>
+          <p:cNvSpPr/>
+          <p:nvPr/>
+        </p:nvSpPr>
+        <p:spPr>
+          <a:xfrm>
+            <a:off x="5424854" y="719426"/>
+            <a:ext cx="994596" cy="385011"/>
+          </a:xfrm>
+          <a:prstGeom prst="rect">
+            <a:avLst/>
+          </a:prstGeom>
+          <a:ln w="38100">
+            <a:solidFill>
+              <a:srgbClr val="0070C0"/>
+            </a:solidFill>
+          </a:ln>
+        </p:spPr>
+        <p:style>
+          <a:lnRef idx="2">
+            <a:schemeClr val="accent2"/>
+          </a:lnRef>
+          <a:fillRef idx="1">
+            <a:schemeClr val="lt1"/>
+          </a:fillRef>
+          <a:effectRef idx="0">
+            <a:schemeClr val="accent2"/>
+          </a:effectRef>
+          <a:fontRef idx="minor">
+            <a:schemeClr val="dk1"/>
+          </a:fontRef>
+        </p:style>
+        <p:txBody>
+          <a:bodyPr rtlCol="0" anchor="ctr"/>
+          <a:lstStyle/>
+          <a:p>
+            <a:pPr algn="ctr"/>
+            <a:r>
+              <a:rPr lang="zh-CN" altLang="en-US" dirty="0" smtClean="0"/>
               <a:t>主状态</a:t>
             </a:r>
-            <a:endParaRPr lang="en-US" altLang="zh-CN" dirty="0" smtClean="0"/>
-          </a:p>
-          <a:p>
-            <a:pPr lvl="1"/>
-            <a:r>
-              <a:rPr lang="zh-CN" altLang="en-US" dirty="0"/>
+            <a:endParaRPr lang="zh-CN" altLang="en-US" dirty="0"/>
+          </a:p>
+        </p:txBody>
+      </p:sp>
+      <p:cxnSp>
+        <p:nvCxnSpPr>
+          <p:cNvPr id="6" name="直接箭头连接符 5"/>
+          <p:cNvCxnSpPr>
+            <a:stCxn id="5" idx="2"/>
+          </p:cNvCxnSpPr>
+          <p:nvPr/>
+        </p:nvCxnSpPr>
+        <p:spPr>
+          <a:xfrm>
+            <a:off x="5922152" y="1104437"/>
+            <a:ext cx="944640" cy="299157"/>
+          </a:xfrm>
+          <a:prstGeom prst="straightConnector1">
+            <a:avLst/>
+          </a:prstGeom>
+          <a:ln w="38100">
+            <a:solidFill>
+              <a:srgbClr val="0070C0"/>
+            </a:solidFill>
+            <a:tailEnd type="triangle"/>
+          </a:ln>
+        </p:spPr>
+        <p:style>
+          <a:lnRef idx="1">
+            <a:schemeClr val="accent1"/>
+          </a:lnRef>
+          <a:fillRef idx="0">
+            <a:schemeClr val="accent1"/>
+          </a:fillRef>
+          <a:effectRef idx="0">
+            <a:schemeClr val="accent1"/>
+          </a:effectRef>
+          <a:fontRef idx="minor">
+            <a:schemeClr val="tx1"/>
+          </a:fontRef>
+        </p:style>
+      </p:cxnSp>
+      <p:sp>
+        <p:nvSpPr>
+          <p:cNvPr id="12" name="矩形 11"/>
+          <p:cNvSpPr/>
+          <p:nvPr/>
+        </p:nvSpPr>
+        <p:spPr>
+          <a:xfrm>
+            <a:off x="6859065" y="1420401"/>
+            <a:ext cx="4650066" cy="2668022"/>
+          </a:xfrm>
+          <a:prstGeom prst="rect">
+            <a:avLst/>
+          </a:prstGeom>
+          <a:noFill/>
+          <a:ln w="38100">
+            <a:solidFill>
+              <a:srgbClr val="0070C0"/>
+            </a:solidFill>
+          </a:ln>
+        </p:spPr>
+        <p:style>
+          <a:lnRef idx="2">
+            <a:schemeClr val="accent2"/>
+          </a:lnRef>
+          <a:fillRef idx="1">
+            <a:schemeClr val="lt1"/>
+          </a:fillRef>
+          <a:effectRef idx="0">
+            <a:schemeClr val="accent2"/>
+          </a:effectRef>
+          <a:fontRef idx="minor">
+            <a:schemeClr val="dk1"/>
+          </a:fontRef>
+        </p:style>
+        <p:txBody>
+          <a:bodyPr rtlCol="0" anchor="ctr"/>
+          <a:lstStyle/>
+          <a:p>
+            <a:pPr algn="ctr"/>
+            <a:endParaRPr lang="zh-CN" altLang="en-US" dirty="0"/>
+          </a:p>
+        </p:txBody>
+      </p:sp>
+      <p:sp>
+        <p:nvSpPr>
+          <p:cNvPr id="15" name="矩形 14"/>
+          <p:cNvSpPr/>
+          <p:nvPr/>
+        </p:nvSpPr>
+        <p:spPr>
+          <a:xfrm>
+            <a:off x="5351350" y="3703412"/>
+            <a:ext cx="994596" cy="385011"/>
+          </a:xfrm>
+          <a:prstGeom prst="rect">
+            <a:avLst/>
+          </a:prstGeom>
+          <a:ln w="38100">
+            <a:solidFill>
+              <a:srgbClr val="0070C0"/>
+            </a:solidFill>
+          </a:ln>
+        </p:spPr>
+        <p:style>
+          <a:lnRef idx="2">
+            <a:schemeClr val="accent2"/>
+          </a:lnRef>
+          <a:fillRef idx="1">
+            <a:schemeClr val="lt1"/>
+          </a:fillRef>
+          <a:effectRef idx="0">
+            <a:schemeClr val="accent2"/>
+          </a:effectRef>
+          <a:fontRef idx="minor">
+            <a:schemeClr val="dk1"/>
+          </a:fontRef>
+        </p:style>
+        <p:txBody>
+          <a:bodyPr rtlCol="0" anchor="ctr"/>
+          <a:lstStyle/>
+          <a:p>
+            <a:pPr algn="ctr"/>
+            <a:r>
+              <a:rPr lang="zh-CN" altLang="en-US" dirty="0" smtClean="0"/>
               <a:t>子状态</a:t>
             </a:r>
-            <a:endParaRPr lang="en-US" altLang="zh-CN" dirty="0" smtClean="0"/>
+            <a:endParaRPr lang="zh-CN" altLang="en-US" dirty="0"/>
+          </a:p>
+        </p:txBody>
+      </p:sp>
+      <p:cxnSp>
+        <p:nvCxnSpPr>
+          <p:cNvPr id="16" name="直接箭头连接符 15"/>
+          <p:cNvCxnSpPr>
+            <a:stCxn id="15" idx="2"/>
+          </p:cNvCxnSpPr>
+          <p:nvPr/>
+        </p:nvCxnSpPr>
+        <p:spPr>
+          <a:xfrm>
+            <a:off x="5848648" y="4088423"/>
+            <a:ext cx="995764" cy="299157"/>
+          </a:xfrm>
+          <a:prstGeom prst="straightConnector1">
+            <a:avLst/>
+          </a:prstGeom>
+          <a:ln w="38100">
+            <a:solidFill>
+              <a:srgbClr val="0070C0"/>
+            </a:solidFill>
+            <a:tailEnd type="triangle"/>
+          </a:ln>
+        </p:spPr>
+        <p:style>
+          <a:lnRef idx="1">
+            <a:schemeClr val="accent1"/>
+          </a:lnRef>
+          <a:fillRef idx="0">
+            <a:schemeClr val="accent1"/>
+          </a:fillRef>
+          <a:effectRef idx="0">
+            <a:schemeClr val="accent1"/>
+          </a:effectRef>
+          <a:fontRef idx="minor">
+            <a:schemeClr val="tx1"/>
+          </a:fontRef>
+        </p:style>
+      </p:cxnSp>
+      <p:sp>
+        <p:nvSpPr>
+          <p:cNvPr id="17" name="矩形 16"/>
+          <p:cNvSpPr/>
+          <p:nvPr/>
+        </p:nvSpPr>
+        <p:spPr>
+          <a:xfrm>
+            <a:off x="6844412" y="4387580"/>
+            <a:ext cx="4650066" cy="1723074"/>
+          </a:xfrm>
+          <a:prstGeom prst="rect">
+            <a:avLst/>
+          </a:prstGeom>
+          <a:noFill/>
+          <a:ln w="38100">
+            <a:solidFill>
+              <a:srgbClr val="0070C0"/>
+            </a:solidFill>
+          </a:ln>
+        </p:spPr>
+        <p:style>
+          <a:lnRef idx="2">
+            <a:schemeClr val="accent2"/>
+          </a:lnRef>
+          <a:fillRef idx="1">
+            <a:schemeClr val="lt1"/>
+          </a:fillRef>
+          <a:effectRef idx="0">
+            <a:schemeClr val="accent2"/>
+          </a:effectRef>
+          <a:fontRef idx="minor">
+            <a:schemeClr val="dk1"/>
+          </a:fontRef>
+        </p:style>
+        <p:txBody>
+          <a:bodyPr rtlCol="0" anchor="ctr"/>
+          <a:lstStyle/>
+          <a:p>
+            <a:pPr algn="ctr"/>
+            <a:endParaRPr lang="zh-CN" altLang="en-US" dirty="0"/>
           </a:p>
         </p:txBody>
       </p:sp>
@@ -5562,6 +5996,13 @@
   <p:clrMapOvr>
     <a:masterClrMapping/>
   </p:clrMapOvr>
+  <p:timing>
+    <p:tnLst>
+      <p:par>
+        <p:cTn id="1" dur="indefinite" restart="never" nodeType="tmRoot"/>
+      </p:par>
+    </p:tnLst>
+  </p:timing>
 </p:sld>
 </file>
 
@@ -5700,7 +6141,19 @@
             </a:r>
             <a:r>
               <a:rPr lang="zh-CN" altLang="en-US" dirty="0" smtClean="0"/>
-              <a:t>状态高亮</a:t>
+              <a:t>状态高</a:t>
+            </a:r>
+            <a:r>
+              <a:rPr lang="zh-CN" altLang="en-US" dirty="0" smtClean="0"/>
+              <a:t>亮</a:t>
+            </a:r>
+            <a:endParaRPr lang="en-US" altLang="zh-CN" dirty="0" smtClean="0"/>
+          </a:p>
+          <a:p>
+            <a:pPr lvl="1"/>
+            <a:r>
+              <a:rPr lang="zh-CN" altLang="en-US" dirty="0" smtClean="0"/>
+              <a:t>与源代码对应</a:t>
             </a:r>
             <a:endParaRPr lang="en-US" altLang="zh-CN" dirty="0"/>
           </a:p>
@@ -5719,6 +6172,13 @@
   <p:clrMapOvr>
     <a:masterClrMapping/>
   </p:clrMapOvr>
+  <p:timing>
+    <p:tnLst>
+      <p:par>
+        <p:cTn id="1" dur="indefinite" restart="never" nodeType="tmRoot"/>
+      </p:par>
+    </p:tnLst>
+  </p:timing>
 </p:sld>
 </file>
 
@@ -5756,7 +6216,11 @@
           <a:p>
             <a:r>
               <a:rPr lang="zh-CN" altLang="en-US" dirty="0" smtClean="0"/>
-              <a:t>功能介绍</a:t>
+              <a:t>功能</a:t>
+            </a:r>
+            <a:r>
+              <a:rPr lang="zh-CN" altLang="en-US" dirty="0" smtClean="0"/>
+              <a:t>介绍及实现</a:t>
             </a:r>
             <a:endParaRPr lang="zh-CN" altLang="en-US" dirty="0"/>
           </a:p>
@@ -5778,73 +6242,163 @@
           <a:lstStyle/>
           <a:p>
             <a:r>
-              <a:rPr lang="zh-CN" altLang="en-US" dirty="0" smtClean="0"/>
+              <a:rPr lang="zh-CN" altLang="en-US" dirty="0"/>
+              <a:t>主要功能</a:t>
+            </a:r>
+            <a:endParaRPr lang="en-US" altLang="zh-CN" dirty="0"/>
+          </a:p>
+          <a:p>
+            <a:pPr lvl="1"/>
+            <a:r>
+              <a:rPr lang="zh-CN" altLang="en-US" dirty="0"/>
               <a:t>源代码展示</a:t>
             </a:r>
+          </a:p>
+          <a:p>
+            <a:pPr lvl="1"/>
+            <a:r>
+              <a:rPr lang="en-US" altLang="zh-CN" dirty="0"/>
+              <a:t>C</a:t>
+            </a:r>
+            <a:r>
+              <a:rPr lang="zh-CN" altLang="en-US" dirty="0"/>
+              <a:t>语言程序轨迹展示（</a:t>
+            </a:r>
+            <a:r>
+              <a:rPr lang="en-US" altLang="zh-CN" dirty="0"/>
+              <a:t>ARG</a:t>
+            </a:r>
+            <a:r>
+              <a:rPr lang="zh-CN" altLang="en-US" dirty="0"/>
+              <a:t>图）</a:t>
+            </a:r>
+          </a:p>
+          <a:p>
+            <a:pPr lvl="1"/>
+            <a:r>
+              <a:rPr lang="en-US" altLang="zh-CN" dirty="0"/>
+              <a:t>LLVM</a:t>
+            </a:r>
+            <a:r>
+              <a:rPr lang="zh-CN" altLang="en-US" dirty="0"/>
+              <a:t>代码轨迹展开和折叠（</a:t>
+            </a:r>
+            <a:r>
+              <a:rPr lang="en-US" altLang="zh-CN" dirty="0"/>
+              <a:t>ARG</a:t>
+            </a:r>
+            <a:r>
+              <a:rPr lang="zh-CN" altLang="en-US" dirty="0"/>
+              <a:t>图）</a:t>
+            </a:r>
+          </a:p>
+          <a:p>
+            <a:pPr lvl="1"/>
+            <a:r>
+              <a:rPr lang="zh-CN" altLang="en-US" dirty="0"/>
+              <a:t>文件上传功能</a:t>
+            </a:r>
+          </a:p>
+          <a:p>
+            <a:pPr lvl="1"/>
+            <a:r>
+              <a:rPr lang="zh-CN" altLang="en-US" dirty="0" smtClean="0"/>
+              <a:t>源代码和内存信息</a:t>
+            </a:r>
+            <a:r>
+              <a:rPr lang="en-US" altLang="zh-CN" dirty="0" smtClean="0"/>
+              <a:t>tooltip</a:t>
+            </a:r>
+          </a:p>
+          <a:p>
+            <a:r>
+              <a:rPr lang="zh-CN" altLang="en-US" dirty="0" smtClean="0"/>
+              <a:t>实现</a:t>
+            </a:r>
             <a:endParaRPr lang="en-US" altLang="zh-CN" dirty="0" smtClean="0"/>
           </a:p>
           <a:p>
+            <a:pPr lvl="1"/>
             <a:r>
               <a:rPr lang="en-US" altLang="zh-CN" dirty="0" smtClean="0"/>
-              <a:t>C</a:t>
-            </a:r>
-            <a:r>
-              <a:rPr lang="zh-CN" altLang="en-US" dirty="0" smtClean="0"/>
-              <a:t>语言程序轨迹展示（</a:t>
+              <a:t>d3-graphviz</a:t>
+            </a:r>
+            <a:r>
+              <a:rPr lang="zh-CN" altLang="en-US" dirty="0" smtClean="0"/>
+              <a:t>（</a:t>
+            </a:r>
+            <a:r>
+              <a:rPr lang="en-US" altLang="zh-CN" dirty="0"/>
+              <a:t>https://github.com/magjac/d3-graphviz</a:t>
+            </a:r>
+            <a:r>
+              <a:rPr lang="zh-CN" altLang="en-US" dirty="0" smtClean="0"/>
+              <a:t>）</a:t>
+            </a:r>
+            <a:endParaRPr lang="en-US" altLang="zh-CN" dirty="0" smtClean="0"/>
+          </a:p>
+          <a:p>
+            <a:pPr lvl="1"/>
+            <a:r>
+              <a:rPr lang="zh-CN" altLang="en-US" dirty="0" smtClean="0"/>
+              <a:t>基于</a:t>
             </a:r>
             <a:r>
               <a:rPr lang="en-US" altLang="zh-CN" dirty="0" smtClean="0"/>
-              <a:t>ARG</a:t>
-            </a:r>
-            <a:r>
-              <a:rPr lang="zh-CN" altLang="en-US" dirty="0" smtClean="0"/>
-              <a:t>图）</a:t>
+              <a:t>D3.js</a:t>
+            </a:r>
+            <a:r>
+              <a:rPr lang="zh-CN" altLang="en-US" dirty="0" smtClean="0"/>
+              <a:t>的可视化库，用于展示</a:t>
+            </a:r>
+            <a:r>
+              <a:rPr lang="en-US" altLang="zh-CN" dirty="0" smtClean="0"/>
+              <a:t>dot</a:t>
+            </a:r>
+            <a:r>
+              <a:rPr lang="zh-CN" altLang="en-US" dirty="0" smtClean="0"/>
+              <a:t>格式文件</a:t>
             </a:r>
             <a:endParaRPr lang="en-US" altLang="zh-CN" dirty="0" smtClean="0"/>
           </a:p>
           <a:p>
-            <a:r>
-              <a:rPr lang="en-US" altLang="zh-CN" dirty="0" smtClean="0"/>
-              <a:t>LLVM</a:t>
-            </a:r>
-            <a:r>
-              <a:rPr lang="zh-CN" altLang="en-US" dirty="0" smtClean="0"/>
-              <a:t>代码轨迹展开和折叠</a:t>
-            </a:r>
-            <a:r>
-              <a:rPr lang="zh-CN" altLang="en-US" dirty="0" smtClean="0"/>
-              <a:t>（</a:t>
-            </a:r>
-            <a:r>
-              <a:rPr lang="en-US" altLang="zh-CN" dirty="0" smtClean="0"/>
-              <a:t>ARG</a:t>
-            </a:r>
-            <a:r>
-              <a:rPr lang="zh-CN" altLang="en-US" dirty="0" smtClean="0"/>
-              <a:t>图）</a:t>
+            <a:pPr lvl="1"/>
+            <a:r>
+              <a:rPr lang="zh-CN" altLang="en-US" dirty="0"/>
+              <a:t>自</a:t>
+            </a:r>
+            <a:r>
+              <a:rPr lang="zh-CN" altLang="en-US" dirty="0" smtClean="0"/>
+              <a:t>适应布局</a:t>
             </a:r>
             <a:endParaRPr lang="en-US" altLang="zh-CN" dirty="0" smtClean="0"/>
           </a:p>
-          <a:p>
-            <a:r>
-              <a:rPr lang="zh-CN" altLang="en-US" dirty="0" smtClean="0"/>
-              <a:t>文件上传功能</a:t>
-            </a:r>
-            <a:endParaRPr lang="en-US" altLang="zh-CN" dirty="0" smtClean="0"/>
-          </a:p>
-          <a:p>
-            <a:r>
-              <a:rPr lang="zh-CN" altLang="en-US" dirty="0" smtClean="0"/>
-              <a:t>源代码和内存信息</a:t>
-            </a:r>
-            <a:r>
-              <a:rPr lang="en-US" altLang="zh-CN" dirty="0" err="1" smtClean="0"/>
-              <a:t>tooptip</a:t>
-            </a:r>
-            <a:endParaRPr lang="en-US" altLang="zh-CN" dirty="0" smtClean="0"/>
-          </a:p>
-        </p:txBody>
-      </p:sp>
+        </p:txBody>
+      </p:sp>
+      <p:pic>
+        <p:nvPicPr>
+          <p:cNvPr id="4" name="图片 3"/>
+          <p:cNvPicPr>
+            <a:picLocks noChangeAspect="1"/>
+          </p:cNvPicPr>
+          <p:nvPr/>
+        </p:nvPicPr>
+        <p:blipFill>
+          <a:blip r:embed="rId3"/>
+          <a:stretch>
+            <a:fillRect/>
+          </a:stretch>
+        </p:blipFill>
+        <p:spPr>
+          <a:xfrm>
+            <a:off x="8259856" y="633046"/>
+            <a:ext cx="2660189" cy="3602877"/>
+          </a:xfrm>
+          <a:prstGeom prst="rect">
+            <a:avLst/>
+          </a:prstGeom>
+        </p:spPr>
+      </p:pic>
     </p:spTree>
     <p:extLst>
       <p:ext uri="{BB962C8B-B14F-4D97-AF65-F5344CB8AC3E}">
@@ -5855,6 +6409,13 @@
   <p:clrMapOvr>
     <a:masterClrMapping/>
   </p:clrMapOvr>
+  <p:timing>
+    <p:tnLst>
+      <p:par>
+        <p:cTn id="1" dur="indefinite" restart="never" nodeType="tmRoot"/>
+      </p:par>
+    </p:tnLst>
+  </p:timing>
 </p:sld>
 </file>
 
@@ -6284,6 +6845,13 @@
   <p:clrMapOvr>
     <a:masterClrMapping/>
   </p:clrMapOvr>
+  <p:timing>
+    <p:tnLst>
+      <p:par>
+        <p:cTn id="1" dur="indefinite" restart="never" nodeType="tmRoot"/>
+      </p:par>
+    </p:tnLst>
+  </p:timing>
 </p:sld>
 </file>
 
@@ -6638,6 +7206,13 @@
   <p:clrMapOvr>
     <a:masterClrMapping/>
   </p:clrMapOvr>
+  <p:timing>
+    <p:tnLst>
+      <p:par>
+        <p:cTn id="1" dur="indefinite" restart="never" nodeType="tmRoot"/>
+      </p:par>
+    </p:tnLst>
+  </p:timing>
 </p:sld>
 </file>
 
@@ -6806,6 +7381,13 @@
   <p:clrMapOvr>
     <a:masterClrMapping/>
   </p:clrMapOvr>
+  <p:timing>
+    <p:tnLst>
+      <p:par>
+        <p:cTn id="1" dur="indefinite" restart="never" nodeType="tmRoot"/>
+      </p:par>
+    </p:tnLst>
+  </p:timing>
 </p:sld>
 </file>
 
@@ -7059,6 +7641,13 @@
   <p:clrMapOvr>
     <a:masterClrMapping/>
   </p:clrMapOvr>
+  <p:timing>
+    <p:tnLst>
+      <p:par>
+        <p:cTn id="1" dur="indefinite" restart="never" nodeType="tmRoot"/>
+      </p:par>
+    </p:tnLst>
+  </p:timing>
 </p:sld>
 </file>
 
